--- a/4_Evolution_of_retinol_metabolism/Figure_4.1/Ret_Met_maps.pptx
+++ b/4_Evolution_of_retinol_metabolism/Figure_4.1/Ret_Met_maps.pptx
@@ -269,10 +269,39 @@
       </p15:sldGuideLst>
     </p:ext>
     <p:ext uri="http://customooxmlschemas.google.com/">
-      <go:slidesCustomData xmlns:go="http://customooxmlschemas.google.com/" xmlns:ahyp="http://schemas.microsoft.com/office/drawing/2018/hyperlinkcolor" xmlns:p15="http://schemas.microsoft.com/office/powerpoint/2012/main" xmlns:p14="http://schemas.microsoft.com/office/powerpoint/2010/main" xmlns:com="http://schemas.openxmlformats.org/drawingml/2006/compatibility" xmlns:pvml="urn:schemas-microsoft-com:office:powerpoint" xmlns:v="urn:schemas-microsoft-com:vml" xmlns:o="urn:schemas-microsoft-com:office:office" xmlns:dgm="http://schemas.openxmlformats.org/drawingml/2006/diagram" xmlns:c="http://schemas.openxmlformats.org/drawingml/2006/chart" xmlns:mv="urn:schemas-microsoft-com:mac:vml" xmlns:mc="http://schemas.openxmlformats.org/markup-compatibility/2006" xmlns="" r:id="rId17" roundtripDataSignature="AMtx7mgz1LYvsW3OXb6FR+gAtEC/px7lfw=="/>
+      <go:slidesCustomData xmlns="" xmlns:mc="http://schemas.openxmlformats.org/markup-compatibility/2006" xmlns:mv="urn:schemas-microsoft-com:mac:vml" xmlns:c="http://schemas.openxmlformats.org/drawingml/2006/chart" xmlns:dgm="http://schemas.openxmlformats.org/drawingml/2006/diagram" xmlns:o="urn:schemas-microsoft-com:office:office" xmlns:v="urn:schemas-microsoft-com:vml" xmlns:pvml="urn:schemas-microsoft-com:office:powerpoint" xmlns:com="http://schemas.openxmlformats.org/drawingml/2006/compatibility" xmlns:p14="http://schemas.microsoft.com/office/powerpoint/2010/main" xmlns:p15="http://schemas.microsoft.com/office/powerpoint/2012/main" xmlns:ahyp="http://schemas.microsoft.com/office/drawing/2018/hyperlinkcolor" xmlns:go="http://customooxmlschemas.google.com/" r:id="rId17" roundtripDataSignature="AMtx7mgz1LYvsW3OXb6FR+gAtEC/px7lfw=="/>
     </p:ext>
   </p:extLst>
 </p:presentation>
+</file>
+
+<file path=ppt/changesInfos/changesInfo1.xml><?xml version="1.0" encoding="utf-8"?>
+<pc:chgInfo xmlns:a="http://schemas.openxmlformats.org/drawingml/2006/main" xmlns:r="http://schemas.openxmlformats.org/officeDocument/2006/relationships" xmlns:ac="http://schemas.microsoft.com/office/drawing/2013/main/command" xmlns:pc="http://schemas.microsoft.com/office/powerpoint/2013/main/command">
+  <pc:docChgLst>
+    <pc:chgData name="Aleotti, Alessandra" userId="cd2a1a8a-edc9-41c1-8cea-3f5a31f77df5" providerId="ADAL" clId="{C25C7E8B-6AD2-4A42-89D1-11AC25AC0B2E}"/>
+    <pc:docChg chg="modSld">
+      <pc:chgData name="Aleotti, Alessandra" userId="cd2a1a8a-edc9-41c1-8cea-3f5a31f77df5" providerId="ADAL" clId="{C25C7E8B-6AD2-4A42-89D1-11AC25AC0B2E}" dt="2023-08-23T11:46:57.626" v="0" actId="1076"/>
+      <pc:docMkLst>
+        <pc:docMk/>
+      </pc:docMkLst>
+      <pc:sldChg chg="modSp mod">
+        <pc:chgData name="Aleotti, Alessandra" userId="cd2a1a8a-edc9-41c1-8cea-3f5a31f77df5" providerId="ADAL" clId="{C25C7E8B-6AD2-4A42-89D1-11AC25AC0B2E}" dt="2023-08-23T11:46:57.626" v="0" actId="1076"/>
+        <pc:sldMkLst>
+          <pc:docMk/>
+          <pc:sldMk cId="0" sldId="257"/>
+        </pc:sldMkLst>
+        <pc:picChg chg="mod">
+          <ac:chgData name="Aleotti, Alessandra" userId="cd2a1a8a-edc9-41c1-8cea-3f5a31f77df5" providerId="ADAL" clId="{C25C7E8B-6AD2-4A42-89D1-11AC25AC0B2E}" dt="2023-08-23T11:46:57.626" v="0" actId="1076"/>
+          <ac:picMkLst>
+            <pc:docMk/>
+            <pc:sldMk cId="0" sldId="257"/>
+            <ac:picMk id="90" creationId="{00000000-0000-0000-0000-000000000000}"/>
+          </ac:picMkLst>
+        </pc:picChg>
+      </pc:sldChg>
+    </pc:docChg>
+  </pc:docChgLst>
+</pc:chgInfo>
 </file>
 
 <file path=ppt/notesMasters/notesMaster1.xml><?xml version="1.0" encoding="utf-8"?>
@@ -14626,14 +14655,13 @@
           <a:lstStyle/>
           <a:p>
             <a:r>
-              <a:rPr lang="en-GB" u="sng" dirty="0" smtClean="0"/>
+              <a:rPr lang="en-GB" u="sng" dirty="0"/>
               <a:t>38 elements</a:t>
             </a:r>
             <a:r>
-              <a:rPr lang="en-GB" dirty="0" smtClean="0"/>
+              <a:rPr lang="en-GB" dirty="0"/>
               <a:t>. How many gene families? (Based on nomenclature/literature: ~13?)</a:t>
             </a:r>
-            <a:endParaRPr lang="en-GB" dirty="0"/>
           </a:p>
         </p:txBody>
       </p:sp>
@@ -14929,7 +14957,7 @@
               <a:buNone/>
             </a:pPr>
             <a:r>
-              <a:rPr lang="en-GB" sz="2800" b="1" dirty="0" smtClean="0"/>
+              <a:rPr lang="en-GB" sz="2800" b="1" dirty="0"/>
               <a:t>Retinol metabolism - Reference pathway (KEGG map00830)</a:t>
             </a:r>
             <a:endParaRPr lang="en-GB" sz="2800" dirty="0"/>
@@ -14959,28 +14987,24 @@
           <a:lstStyle/>
           <a:p>
             <a:r>
-              <a:rPr lang="en-GB" i="1" dirty="0" err="1" smtClean="0"/>
+              <a:rPr lang="en-GB" i="1" dirty="0" err="1"/>
               <a:t>Strongylocentrotus</a:t>
             </a:r>
             <a:r>
-              <a:rPr lang="en-GB" i="1" dirty="0" smtClean="0"/>
+              <a:rPr lang="en-GB" i="1" dirty="0"/>
               <a:t> </a:t>
             </a:r>
             <a:r>
-              <a:rPr lang="en-GB" i="1" dirty="0" err="1" smtClean="0"/>
+              <a:rPr lang="en-GB" i="1" dirty="0" err="1"/>
               <a:t>purpuratus</a:t>
             </a:r>
             <a:r>
-              <a:rPr lang="en-GB" i="1" dirty="0" smtClean="0"/>
+              <a:rPr lang="en-GB" i="1" dirty="0"/>
               <a:t> </a:t>
             </a:r>
             <a:r>
-              <a:rPr lang="en-GB" dirty="0" smtClean="0"/>
-              <a:t>(echinoderm): 12/38 </a:t>
-            </a:r>
-            <a:r>
               <a:rPr lang="en-GB" dirty="0"/>
-              <a:t>elements.</a:t>
+              <a:t>(echinoderm): 12/38 elements.</a:t>
             </a:r>
           </a:p>
         </p:txBody>
@@ -15306,7 +15330,7 @@
               <a:buNone/>
             </a:pPr>
             <a:r>
-              <a:rPr lang="en-GB" sz="2800" b="1" dirty="0" smtClean="0"/>
+              <a:rPr lang="en-GB" sz="2800" b="1" dirty="0"/>
               <a:t>Retinol metabolism - Reference pathway (KEGG map00830)</a:t>
             </a:r>
             <a:endParaRPr lang="en-GB" sz="2800" dirty="0"/>
@@ -15344,20 +15368,16 @@
               <a:t> </a:t>
             </a:r>
             <a:r>
-              <a:rPr lang="en-GB" i="1" dirty="0" err="1" smtClean="0"/>
+              <a:rPr lang="en-GB" i="1" dirty="0" err="1"/>
               <a:t>kowalevskii</a:t>
             </a:r>
             <a:r>
-              <a:rPr lang="en-GB" i="1" dirty="0" smtClean="0"/>
+              <a:rPr lang="en-GB" i="1" dirty="0"/>
               <a:t> </a:t>
             </a:r>
             <a:r>
-              <a:rPr lang="en-GB" dirty="0" smtClean="0"/>
-              <a:t>(hemichordate): 13/38 </a:t>
-            </a:r>
-            <a:r>
               <a:rPr lang="en-GB" dirty="0"/>
-              <a:t>elements.</a:t>
+              <a:t>(hemichordate): 13/38 elements.</a:t>
             </a:r>
           </a:p>
         </p:txBody>
@@ -15431,7 +15451,7 @@
         </p:blipFill>
         <p:spPr>
           <a:xfrm>
-            <a:off x="1466850" y="781392"/>
+            <a:off x="1466850" y="776008"/>
             <a:ext cx="9258300" cy="6019800"/>
           </a:xfrm>
           <a:prstGeom prst="rect">
@@ -15491,11 +15511,7 @@
             </a:pPr>
             <a:r>
               <a:rPr lang="en-GB" sz="2800" b="1" dirty="0"/>
-              <a:t>Retinol metabolism - Reference pathway (KEGG map00830</a:t>
-            </a:r>
-            <a:r>
-              <a:rPr lang="en-GB" sz="2800" b="1" dirty="0" smtClean="0"/>
-              <a:t>) (EDIT)</a:t>
+              <a:t>Retinol metabolism - Reference pathway (KEGG map00830) (EDIT)</a:t>
             </a:r>
             <a:endParaRPr sz="2800" dirty="0"/>
           </a:p>
@@ -18410,18 +18426,9 @@
           <a:lstStyle/>
           <a:p>
             <a:r>
-              <a:rPr lang="en-GB" dirty="0" smtClean="0"/>
-              <a:t>38 </a:t>
+              <a:rPr lang="en-GB" dirty="0"/>
+              <a:t>38 elements. How many gene families? (~13?)</a:t>
             </a:r>
-            <a:r>
-              <a:rPr lang="en-GB" dirty="0"/>
-              <a:t>elements. </a:t>
-            </a:r>
-            <a:r>
-              <a:rPr lang="en-GB" dirty="0" smtClean="0"/>
-              <a:t>How many gene families? (~13?)</a:t>
-            </a:r>
-            <a:endParaRPr lang="en-GB" dirty="0"/>
           </a:p>
         </p:txBody>
       </p:sp>
@@ -23613,7 +23620,7 @@
           <a:p>
             <a:pPr lvl="0"/>
             <a:r>
-              <a:rPr lang="en-GB" sz="1100" dirty="0" smtClean="0"/>
+              <a:rPr lang="en-GB" sz="1100" dirty="0"/>
               <a:t>N/A (RPH)</a:t>
             </a:r>
             <a:endParaRPr sz="800" b="0" i="0" u="none" strike="noStrike" cap="none" dirty="0">
@@ -23944,7 +23951,7 @@
               <a:buNone/>
             </a:pPr>
             <a:r>
-              <a:rPr lang="en-GB" sz="2800" b="1" dirty="0" smtClean="0"/>
+              <a:rPr lang="en-GB" sz="2800" b="1" dirty="0"/>
               <a:t>Retinol metabolism - Reference pathway (KEGG map00830)</a:t>
             </a:r>
             <a:endParaRPr lang="en-GB" sz="2800" dirty="0"/>
@@ -23974,14 +23981,13 @@
           <a:lstStyle/>
           <a:p>
             <a:r>
-              <a:rPr lang="en-GB" i="1" dirty="0" smtClean="0"/>
+              <a:rPr lang="en-GB" i="1" dirty="0"/>
               <a:t>Homo sapiens </a:t>
             </a:r>
             <a:r>
-              <a:rPr lang="en-GB" dirty="0" smtClean="0"/>
+              <a:rPr lang="en-GB" dirty="0"/>
               <a:t>(mammal): 37/38 elements.</a:t>
             </a:r>
-            <a:endParaRPr lang="en-GB" dirty="0"/>
           </a:p>
         </p:txBody>
       </p:sp>
@@ -24306,7 +24312,7 @@
               <a:buNone/>
             </a:pPr>
             <a:r>
-              <a:rPr lang="en-GB" sz="2800" b="1" dirty="0" smtClean="0"/>
+              <a:rPr lang="en-GB" sz="2800" b="1" dirty="0"/>
               <a:t>Retinol metabolism - Reference pathway (KEGG map00830)</a:t>
             </a:r>
             <a:endParaRPr lang="en-GB" sz="2800" dirty="0"/>
@@ -24336,24 +24342,20 @@
           <a:lstStyle/>
           <a:p>
             <a:r>
-              <a:rPr lang="en-GB" i="1" dirty="0" smtClean="0"/>
+              <a:rPr lang="en-GB" i="1" dirty="0"/>
               <a:t>Gallus </a:t>
             </a:r>
             <a:r>
-              <a:rPr lang="en-GB" i="1" dirty="0" err="1" smtClean="0"/>
+              <a:rPr lang="en-GB" i="1" dirty="0" err="1"/>
               <a:t>gallus</a:t>
             </a:r>
             <a:r>
-              <a:rPr lang="en-GB" i="1" dirty="0" smtClean="0"/>
+              <a:rPr lang="en-GB" i="1" dirty="0"/>
               <a:t> </a:t>
             </a:r>
             <a:r>
-              <a:rPr lang="en-GB" dirty="0" smtClean="0"/>
-              <a:t>(bird): 31/38 </a:t>
-            </a:r>
-            <a:r>
               <a:rPr lang="en-GB" dirty="0"/>
-              <a:t>elements.</a:t>
+              <a:t>(bird): 31/38 elements.</a:t>
             </a:r>
           </a:p>
         </p:txBody>
@@ -24655,7 +24657,7 @@
               <a:buNone/>
             </a:pPr>
             <a:r>
-              <a:rPr lang="en-GB" sz="2800" b="1" dirty="0" smtClean="0"/>
+              <a:rPr lang="en-GB" sz="2800" b="1" dirty="0"/>
               <a:t>Retinol metabolism - Reference pathway (KEGG map00830)</a:t>
             </a:r>
             <a:endParaRPr lang="en-GB" sz="2800" dirty="0"/>
@@ -24685,28 +24687,24 @@
           <a:lstStyle/>
           <a:p>
             <a:r>
-              <a:rPr lang="en-GB" i="1" dirty="0" err="1" smtClean="0"/>
+              <a:rPr lang="en-GB" i="1" dirty="0" err="1"/>
               <a:t>Anolis</a:t>
             </a:r>
             <a:r>
-              <a:rPr lang="en-GB" i="1" dirty="0" smtClean="0"/>
+              <a:rPr lang="en-GB" i="1" dirty="0"/>
               <a:t> </a:t>
             </a:r>
             <a:r>
-              <a:rPr lang="en-GB" i="1" dirty="0" err="1" smtClean="0"/>
+              <a:rPr lang="en-GB" i="1" dirty="0" err="1"/>
               <a:t>carolinensis</a:t>
             </a:r>
             <a:r>
-              <a:rPr lang="en-GB" i="1" dirty="0" smtClean="0"/>
+              <a:rPr lang="en-GB" i="1" dirty="0"/>
               <a:t> </a:t>
             </a:r>
             <a:r>
-              <a:rPr lang="en-GB" dirty="0" smtClean="0"/>
-              <a:t>(reptile): 33/38 </a:t>
-            </a:r>
-            <a:r>
               <a:rPr lang="en-GB" dirty="0"/>
-              <a:t>elements.</a:t>
+              <a:t>(reptile): 33/38 elements.</a:t>
             </a:r>
           </a:p>
         </p:txBody>
@@ -25032,7 +25030,7 @@
               <a:buNone/>
             </a:pPr>
             <a:r>
-              <a:rPr lang="en-GB" sz="2800" b="1" dirty="0" smtClean="0"/>
+              <a:rPr lang="en-GB" sz="2800" b="1" dirty="0"/>
               <a:t>Retinol metabolism - Reference pathway (KEGG map00830)</a:t>
             </a:r>
             <a:endParaRPr lang="en-GB" sz="2800" dirty="0"/>
@@ -25062,36 +25060,24 @@
           <a:lstStyle/>
           <a:p>
             <a:r>
-              <a:rPr lang="en-GB" i="1" dirty="0" err="1" smtClean="0"/>
+              <a:rPr lang="en-GB" i="1" dirty="0" err="1"/>
               <a:t>Xenopus</a:t>
             </a:r>
             <a:r>
-              <a:rPr lang="en-GB" i="1" dirty="0" smtClean="0"/>
+              <a:rPr lang="en-GB" i="1" dirty="0"/>
               <a:t> </a:t>
             </a:r>
             <a:r>
-              <a:rPr lang="en-GB" i="1" dirty="0" err="1" smtClean="0"/>
+              <a:rPr lang="en-GB" i="1" dirty="0" err="1"/>
               <a:t>laevis</a:t>
             </a:r>
             <a:r>
-              <a:rPr lang="en-GB" i="1" dirty="0" smtClean="0"/>
+              <a:rPr lang="en-GB" i="1" dirty="0"/>
               <a:t> </a:t>
             </a:r>
             <a:r>
-              <a:rPr lang="en-GB" dirty="0" smtClean="0"/>
-              <a:t>(</a:t>
-            </a:r>
-            <a:r>
               <a:rPr lang="en-GB" dirty="0"/>
-              <a:t>a</a:t>
-            </a:r>
-            <a:r>
-              <a:rPr lang="en-GB" dirty="0" smtClean="0"/>
-              <a:t>mphibian): 32/38 </a:t>
-            </a:r>
-            <a:r>
-              <a:rPr lang="en-GB" dirty="0"/>
-              <a:t>elements.</a:t>
+              <a:t>(amphibian): 32/38 elements.</a:t>
             </a:r>
           </a:p>
         </p:txBody>
@@ -25417,7 +25403,7 @@
               <a:buNone/>
             </a:pPr>
             <a:r>
-              <a:rPr lang="en-GB" sz="2800" b="1" dirty="0" smtClean="0"/>
+              <a:rPr lang="en-GB" sz="2800" b="1" dirty="0"/>
               <a:t>Retinol metabolism - Reference pathway (KEGG map00830)</a:t>
             </a:r>
             <a:endParaRPr lang="en-GB" sz="2800" dirty="0"/>
@@ -25447,24 +25433,20 @@
           <a:lstStyle/>
           <a:p>
             <a:r>
-              <a:rPr lang="en-GB" i="1" dirty="0" smtClean="0"/>
+              <a:rPr lang="en-GB" i="1" dirty="0"/>
               <a:t>Danio </a:t>
             </a:r>
             <a:r>
-              <a:rPr lang="en-GB" i="1" dirty="0" err="1" smtClean="0"/>
+              <a:rPr lang="en-GB" i="1" dirty="0" err="1"/>
               <a:t>rerio</a:t>
             </a:r>
             <a:r>
-              <a:rPr lang="en-GB" i="1" dirty="0" smtClean="0"/>
+              <a:rPr lang="en-GB" i="1" dirty="0"/>
               <a:t> </a:t>
             </a:r>
             <a:r>
-              <a:rPr lang="en-GB" dirty="0" smtClean="0"/>
-              <a:t>(bony fish): 29/38 </a:t>
-            </a:r>
-            <a:r>
               <a:rPr lang="en-GB" dirty="0"/>
-              <a:t>elements.</a:t>
+              <a:t>(bony fish): 29/38 elements.</a:t>
             </a:r>
           </a:p>
         </p:txBody>
@@ -25790,7 +25772,7 @@
               <a:buNone/>
             </a:pPr>
             <a:r>
-              <a:rPr lang="en-GB" sz="2800" b="1" dirty="0" smtClean="0"/>
+              <a:rPr lang="en-GB" sz="2800" b="1" dirty="0"/>
               <a:t>Retinol metabolism - Reference pathway (KEGG map00830)</a:t>
             </a:r>
             <a:endParaRPr lang="en-GB" sz="2800" dirty="0"/>
@@ -25832,16 +25814,12 @@
               <a:t>milii</a:t>
             </a:r>
             <a:r>
-              <a:rPr lang="en-GB" i="1" dirty="0" smtClean="0"/>
+              <a:rPr lang="en-GB" i="1" dirty="0"/>
               <a:t> </a:t>
             </a:r>
             <a:r>
-              <a:rPr lang="en-GB" dirty="0" smtClean="0"/>
-              <a:t>(cartilaginous fish): 27/38 </a:t>
-            </a:r>
-            <a:r>
               <a:rPr lang="en-GB" dirty="0"/>
-              <a:t>elements.</a:t>
+              <a:t>(cartilaginous fish): 27/38 elements.</a:t>
             </a:r>
           </a:p>
         </p:txBody>
@@ -26167,7 +26145,7 @@
               <a:buNone/>
             </a:pPr>
             <a:r>
-              <a:rPr lang="en-GB" sz="2800" b="1" dirty="0" smtClean="0"/>
+              <a:rPr lang="en-GB" sz="2800" b="1" dirty="0"/>
               <a:t>Retinol metabolism - Reference pathway (KEGG map00830)</a:t>
             </a:r>
             <a:endParaRPr lang="en-GB" sz="2800" dirty="0"/>
@@ -26205,20 +26183,16 @@
               <a:t> </a:t>
             </a:r>
             <a:r>
-              <a:rPr lang="en-GB" i="1" dirty="0" err="1" smtClean="0"/>
+              <a:rPr lang="en-GB" i="1" dirty="0" err="1"/>
               <a:t>floridae</a:t>
             </a:r>
             <a:r>
-              <a:rPr lang="en-GB" i="1" dirty="0" smtClean="0"/>
+              <a:rPr lang="en-GB" i="1" dirty="0"/>
               <a:t> </a:t>
             </a:r>
             <a:r>
-              <a:rPr lang="en-GB" dirty="0" smtClean="0"/>
-              <a:t>(cephalochordate): 26/38 </a:t>
-            </a:r>
-            <a:r>
               <a:rPr lang="en-GB" dirty="0"/>
-              <a:t>elements.</a:t>
+              <a:t>(cephalochordate): 26/38 elements.</a:t>
             </a:r>
           </a:p>
         </p:txBody>
@@ -26544,7 +26518,7 @@
               <a:buNone/>
             </a:pPr>
             <a:r>
-              <a:rPr lang="en-GB" sz="2800" b="1" dirty="0" smtClean="0"/>
+              <a:rPr lang="en-GB" sz="2800" b="1" dirty="0"/>
               <a:t>Retinol metabolism - Reference pathway (KEGG map00830)</a:t>
             </a:r>
             <a:endParaRPr lang="en-GB" sz="2800" dirty="0"/>
@@ -26574,36 +26548,32 @@
           <a:lstStyle/>
           <a:p>
             <a:r>
-              <a:rPr lang="en-GB" i="1" dirty="0" err="1" smtClean="0"/>
+              <a:rPr lang="en-GB" i="1" dirty="0" err="1"/>
               <a:t>Ciona</a:t>
             </a:r>
             <a:r>
-              <a:rPr lang="en-GB" i="1" dirty="0" smtClean="0"/>
+              <a:rPr lang="en-GB" i="1" dirty="0"/>
               <a:t> </a:t>
             </a:r>
             <a:r>
-              <a:rPr lang="en-GB" i="1" dirty="0" err="1" smtClean="0"/>
+              <a:rPr lang="en-GB" i="1" dirty="0" err="1"/>
               <a:t>intestinalis</a:t>
             </a:r>
             <a:r>
-              <a:rPr lang="en-GB" i="1" dirty="0" smtClean="0"/>
+              <a:rPr lang="en-GB" i="1" dirty="0"/>
               <a:t> </a:t>
             </a:r>
             <a:r>
-              <a:rPr lang="en-GB" dirty="0" smtClean="0"/>
+              <a:rPr lang="en-GB" dirty="0"/>
               <a:t>(</a:t>
             </a:r>
             <a:r>
-              <a:rPr lang="en-GB" dirty="0" err="1" smtClean="0"/>
+              <a:rPr lang="en-GB" dirty="0" err="1"/>
               <a:t>urochordate</a:t>
             </a:r>
             <a:r>
-              <a:rPr lang="en-GB" dirty="0" smtClean="0"/>
-              <a:t>): 12/38 </a:t>
-            </a:r>
-            <a:r>
               <a:rPr lang="en-GB" dirty="0"/>
-              <a:t>elements.</a:t>
+              <a:t>): 12/38 elements.</a:t>
             </a:r>
           </a:p>
         </p:txBody>
